--- a/Preparing your computer for Git (Windows).pptx
+++ b/Preparing your computer for Git (Windows).pptx
@@ -205,7 +205,7 @@
           <a:p>
             <a:fld id="{5C1E78E7-18DC-42B2-A7E3-FAB1AA30522D}" type="datetimeFigureOut">
               <a:rPr lang="en-US" smtClean="0"/>
-              <a:t>4/4/2013</a:t>
+              <a:t>4/22/2013</a:t>
             </a:fld>
             <a:endParaRPr lang="en-US"/>
           </a:p>
@@ -5506,14 +5506,26 @@
           <a:lstStyle/>
           <a:p>
             <a:r>
-              <a:rPr lang="en-US" dirty="0"/>
+              <a:rPr lang="en-US" dirty="0">
+                <a:solidFill>
+                  <a:schemeClr val="bg1"/>
+                </a:solidFill>
+              </a:rPr>
               <a:t>Preparing your computer for </a:t>
             </a:r>
             <a:r>
-              <a:rPr lang="en-US" dirty="0" err="1"/>
+              <a:rPr lang="en-US" dirty="0" err="1">
+                <a:solidFill>
+                  <a:schemeClr val="bg1"/>
+                </a:solidFill>
+              </a:rPr>
               <a:t>Git</a:t>
             </a:r>
-            <a:endParaRPr lang="en-US" dirty="0"/>
+            <a:endParaRPr lang="en-US" dirty="0">
+              <a:solidFill>
+                <a:schemeClr val="bg1"/>
+              </a:solidFill>
+            </a:endParaRPr>
           </a:p>
         </p:txBody>
       </p:sp>
@@ -7274,15 +7286,7 @@
           <a:p>
             <a:r>
               <a:rPr lang="en-US" dirty="0" smtClean="0"/>
-              <a:t>Type in  </a:t>
-            </a:r>
-            <a:r>
-              <a:rPr lang="en-US" dirty="0" smtClean="0"/>
-              <a:t>			and </a:t>
-            </a:r>
-            <a:r>
-              <a:rPr lang="en-US" dirty="0" smtClean="0"/>
-              <a:t>press Enter.</a:t>
+              <a:t>Type in  			and press Enter.</a:t>
             </a:r>
           </a:p>
           <a:p>
@@ -7703,13 +7707,6 @@
               </a:rPr>
               <a:t>"jacetan93@gmail.com"</a:t>
             </a:r>
-            <a:endParaRPr lang="en-US" b="1" dirty="0">
-              <a:solidFill>
-                <a:srgbClr val="92D050"/>
-              </a:solidFill>
-              <a:latin typeface="Arial" pitchFamily="34" charset="0"/>
-              <a:cs typeface="Arial" pitchFamily="34" charset="0"/>
-            </a:endParaRPr>
           </a:p>
         </p:txBody>
       </p:sp>
@@ -7795,13 +7792,6 @@
               </a:rPr>
               <a:t>  -C</a:t>
             </a:r>
-            <a:endParaRPr lang="en-US" b="1" dirty="0">
-              <a:solidFill>
-                <a:srgbClr val="92D050"/>
-              </a:solidFill>
-              <a:latin typeface="Arial" pitchFamily="34" charset="0"/>
-              <a:cs typeface="Arial" pitchFamily="34" charset="0"/>
-            </a:endParaRPr>
           </a:p>
         </p:txBody>
       </p:sp>
